--- a/Paper/LaTeXPaper/Images/4components of CPMpy.pptx
+++ b/Paper/LaTeXPaper/Images/4components of CPMpy.pptx
@@ -104,6 +104,11 @@
       </a:defRPr>
     </a:lvl9pPr>
   </p:defaultTextStyle>
+  <p:extLst>
+    <p:ext uri="{EFAFB233-063F-42B5-8137-9DF3F51BA10A}">
+      <p15:sldGuideLst xmlns:p15="http://schemas.microsoft.com/office/powerpoint/2012/main"/>
+    </p:ext>
+  </p:extLst>
 </p:presentation>
 </file>
 
@@ -256,7 +261,7 @@
           <a:p>
             <a:fld id="{344ACCA6-093E-4699-B39B-AEB2F34A67A8}" type="datetimeFigureOut">
               <a:rPr lang="nl-BE" smtClean="0"/>
-              <a:t>29/11/2022</a:t>
+              <a:t>5/12/2022</a:t>
             </a:fld>
             <a:endParaRPr lang="nl-BE"/>
           </a:p>
@@ -456,7 +461,7 @@
           <a:p>
             <a:fld id="{344ACCA6-093E-4699-B39B-AEB2F34A67A8}" type="datetimeFigureOut">
               <a:rPr lang="nl-BE" smtClean="0"/>
-              <a:t>29/11/2022</a:t>
+              <a:t>5/12/2022</a:t>
             </a:fld>
             <a:endParaRPr lang="nl-BE"/>
           </a:p>
@@ -666,7 +671,7 @@
           <a:p>
             <a:fld id="{344ACCA6-093E-4699-B39B-AEB2F34A67A8}" type="datetimeFigureOut">
               <a:rPr lang="nl-BE" smtClean="0"/>
-              <a:t>29/11/2022</a:t>
+              <a:t>5/12/2022</a:t>
             </a:fld>
             <a:endParaRPr lang="nl-BE"/>
           </a:p>
@@ -866,7 +871,7 @@
           <a:p>
             <a:fld id="{344ACCA6-093E-4699-B39B-AEB2F34A67A8}" type="datetimeFigureOut">
               <a:rPr lang="nl-BE" smtClean="0"/>
-              <a:t>29/11/2022</a:t>
+              <a:t>5/12/2022</a:t>
             </a:fld>
             <a:endParaRPr lang="nl-BE"/>
           </a:p>
@@ -1142,7 +1147,7 @@
           <a:p>
             <a:fld id="{344ACCA6-093E-4699-B39B-AEB2F34A67A8}" type="datetimeFigureOut">
               <a:rPr lang="nl-BE" smtClean="0"/>
-              <a:t>29/11/2022</a:t>
+              <a:t>5/12/2022</a:t>
             </a:fld>
             <a:endParaRPr lang="nl-BE"/>
           </a:p>
@@ -1410,7 +1415,7 @@
           <a:p>
             <a:fld id="{344ACCA6-093E-4699-B39B-AEB2F34A67A8}" type="datetimeFigureOut">
               <a:rPr lang="nl-BE" smtClean="0"/>
-              <a:t>29/11/2022</a:t>
+              <a:t>5/12/2022</a:t>
             </a:fld>
             <a:endParaRPr lang="nl-BE"/>
           </a:p>
@@ -1825,7 +1830,7 @@
           <a:p>
             <a:fld id="{344ACCA6-093E-4699-B39B-AEB2F34A67A8}" type="datetimeFigureOut">
               <a:rPr lang="nl-BE" smtClean="0"/>
-              <a:t>29/11/2022</a:t>
+              <a:t>5/12/2022</a:t>
             </a:fld>
             <a:endParaRPr lang="nl-BE"/>
           </a:p>
@@ -1967,7 +1972,7 @@
           <a:p>
             <a:fld id="{344ACCA6-093E-4699-B39B-AEB2F34A67A8}" type="datetimeFigureOut">
               <a:rPr lang="nl-BE" smtClean="0"/>
-              <a:t>29/11/2022</a:t>
+              <a:t>5/12/2022</a:t>
             </a:fld>
             <a:endParaRPr lang="nl-BE"/>
           </a:p>
@@ -2080,7 +2085,7 @@
           <a:p>
             <a:fld id="{344ACCA6-093E-4699-B39B-AEB2F34A67A8}" type="datetimeFigureOut">
               <a:rPr lang="nl-BE" smtClean="0"/>
-              <a:t>29/11/2022</a:t>
+              <a:t>5/12/2022</a:t>
             </a:fld>
             <a:endParaRPr lang="nl-BE"/>
           </a:p>
@@ -2393,7 +2398,7 @@
           <a:p>
             <a:fld id="{344ACCA6-093E-4699-B39B-AEB2F34A67A8}" type="datetimeFigureOut">
               <a:rPr lang="nl-BE" smtClean="0"/>
-              <a:t>29/11/2022</a:t>
+              <a:t>5/12/2022</a:t>
             </a:fld>
             <a:endParaRPr lang="nl-BE"/>
           </a:p>
@@ -2682,7 +2687,7 @@
           <a:p>
             <a:fld id="{344ACCA6-093E-4699-B39B-AEB2F34A67A8}" type="datetimeFigureOut">
               <a:rPr lang="nl-BE" smtClean="0"/>
-              <a:t>29/11/2022</a:t>
+              <a:t>5/12/2022</a:t>
             </a:fld>
             <a:endParaRPr lang="nl-BE"/>
           </a:p>
@@ -2925,7 +2930,7 @@
           <a:p>
             <a:fld id="{344ACCA6-093E-4699-B39B-AEB2F34A67A8}" type="datetimeFigureOut">
               <a:rPr lang="nl-BE" smtClean="0"/>
-              <a:t>29/11/2022</a:t>
+              <a:t>5/12/2022</a:t>
             </a:fld>
             <a:endParaRPr lang="nl-BE"/>
           </a:p>
@@ -3464,6 +3469,13 @@
               <a:rPr lang="en-GB" dirty="0"/>
               <a:t>Model</a:t>
             </a:r>
+            <a:br>
+              <a:rPr lang="en-GB" dirty="0"/>
+            </a:br>
+            <a:r>
+              <a:rPr lang="en-GB" sz="1100" dirty="0"/>
+              <a:t>with expressions</a:t>
+            </a:r>
             <a:endParaRPr lang="nl-BE" dirty="0"/>
           </a:p>
         </p:txBody>
@@ -3562,7 +3574,14 @@
             <a:pPr algn="ctr"/>
             <a:r>
               <a:rPr lang="en-GB" dirty="0"/>
-              <a:t>Solver specific Transformations</a:t>
+              <a:t>Solver </a:t>
+            </a:r>
+            <a:br>
+              <a:rPr lang="en-GB" dirty="0"/>
+            </a:br>
+            <a:r>
+              <a:rPr lang="en-GB" dirty="0"/>
+              <a:t>interface</a:t>
             </a:r>
             <a:endParaRPr lang="nl-BE" dirty="0"/>
           </a:p>
